--- a/report/结题报告.pptx
+++ b/report/结题报告.pptx
@@ -707,146 +707,6 @@
         <p:txBody>
           <a:bodyPr/>
           <a:lstStyle/>
-          <a:p>
-            <a:r>
-              <a:rPr lang="en-US" altLang="zh-CN" dirty="0"/>
-              <a:t>Python</a:t>
-            </a:r>
-            <a:r>
-              <a:rPr lang="zh-CN" altLang="en-US" dirty="0"/>
-              <a:t>这块主要提供的是上层软件，用来与用户交互。</a:t>
-            </a:r>
-            <a:endParaRPr lang="en-US" altLang="zh-CN" dirty="0"/>
-          </a:p>
-          <a:p>
-            <a:r>
-              <a:rPr lang="zh-CN" altLang="en-US" dirty="0"/>
-              <a:t>首先，作为一个上层的软件，它需要和底层的图数据库进行交互。而这里选用</a:t>
-            </a:r>
-            <a:r>
-              <a:rPr lang="en-US" altLang="zh-CN" dirty="0"/>
-              <a:t>python</a:t>
-            </a:r>
-            <a:r>
-              <a:rPr lang="zh-CN" altLang="en-US" dirty="0"/>
-              <a:t>的一大原因就是</a:t>
-            </a:r>
-            <a:r>
-              <a:rPr lang="en-US" altLang="zh-CN" dirty="0"/>
-              <a:t>python</a:t>
-            </a:r>
-            <a:r>
-              <a:rPr lang="zh-CN" altLang="en-US" dirty="0"/>
-              <a:t>中有不少支持</a:t>
-            </a:r>
-            <a:r>
-              <a:rPr lang="en-US" altLang="zh-CN" dirty="0"/>
-              <a:t>neo4j</a:t>
-            </a:r>
-            <a:r>
-              <a:rPr lang="zh-CN" altLang="en-US" dirty="0"/>
-              <a:t>的模块，据官方推荐就有三个，后面会稍微介绍一下。</a:t>
-            </a:r>
-            <a:endParaRPr lang="en-US" altLang="zh-CN" dirty="0"/>
-          </a:p>
-          <a:p>
-            <a:r>
-              <a:rPr lang="zh-CN" altLang="en-US" dirty="0"/>
-              <a:t>这样，有了和底层的交互，这样就可以去响应用户的需求。这里用户的需求包括添加，查找，删除文件等操作。具体操作的流程后面也会介绍。</a:t>
-            </a:r>
-            <a:endParaRPr lang="en-US" altLang="zh-CN" dirty="0"/>
-          </a:p>
-          <a:p>
-            <a:r>
-              <a:rPr lang="zh-CN" altLang="en-US" dirty="0"/>
-              <a:t>最后，用户执行了操作之后，总是需要给用户一定反馈的。比方说，查找一个文件，总要能给用户一些备选项，让用户挑出他所需要的文件。这个部分我们主要考虑了两种方式，一种是通过列表，列出和用户需求最相关的几个文件，另一种则是通过图来展示。</a:t>
-            </a:r>
-            <a:endParaRPr lang="en-US" altLang="zh-CN" dirty="0"/>
-          </a:p>
-          <a:p>
-            <a:endParaRPr lang="en-US" altLang="zh-CN" dirty="0"/>
-          </a:p>
-          <a:p>
-            <a:endParaRPr lang="en-US" altLang="zh-CN" dirty="0"/>
-          </a:p>
-          <a:p>
-            <a:endParaRPr lang="en-US" altLang="zh-CN" dirty="0"/>
-          </a:p>
-          <a:p>
-            <a:r>
-              <a:rPr lang="zh-CN" altLang="en-US" dirty="0"/>
-              <a:t>①对于增加文件，第一步是数据处理。</a:t>
-            </a:r>
-            <a:r>
-              <a:rPr lang="en-US" altLang="zh-CN" dirty="0"/>
-              <a:t>python</a:t>
-            </a:r>
-            <a:r>
-              <a:rPr lang="zh-CN" altLang="en-US" dirty="0"/>
-              <a:t>应该去调用各种</a:t>
-            </a:r>
-            <a:r>
-              <a:rPr lang="en-US" altLang="zh-CN" dirty="0"/>
-              <a:t>API</a:t>
-            </a:r>
-            <a:r>
-              <a:rPr lang="zh-CN" altLang="en-US" dirty="0"/>
-              <a:t>来解析用户给出的文件，从而提取出用户给出文件的自然属性，将这些自然属性转化为关键词，时间等各种便于描述的特征。</a:t>
-            </a:r>
-            <a:endParaRPr lang="en-US" altLang="zh-CN" dirty="0"/>
-          </a:p>
-          <a:p>
-            <a:r>
-              <a:rPr lang="zh-CN" altLang="en-US" dirty="0"/>
-              <a:t>第二步则是去调用</a:t>
-            </a:r>
-            <a:r>
-              <a:rPr lang="en-US" altLang="zh-CN" dirty="0"/>
-              <a:t>neo4j</a:t>
-            </a:r>
-            <a:r>
-              <a:rPr lang="zh-CN" altLang="en-US" dirty="0"/>
-              <a:t>的信息，从而将新的文件结点插入，旧的关键词直接连接，新的则创建。这样就完成了增加文件的操作</a:t>
-            </a:r>
-            <a:endParaRPr lang="en-US" altLang="zh-CN" dirty="0"/>
-          </a:p>
-          <a:p>
-            <a:r>
-              <a:rPr lang="zh-CN" altLang="en-US" dirty="0"/>
-              <a:t>②查询文件，用户需要提供一些文件信息，例如文件大致的创建时间范围，文件的内容，或者关键词等。然后，由</a:t>
-            </a:r>
-            <a:r>
-              <a:rPr lang="en-US" altLang="zh-CN" dirty="0"/>
-              <a:t>python</a:t>
-            </a:r>
-            <a:r>
-              <a:rPr lang="zh-CN" altLang="en-US" dirty="0"/>
-              <a:t>去调用</a:t>
-            </a:r>
-            <a:r>
-              <a:rPr lang="en-US" altLang="zh-CN" dirty="0"/>
-              <a:t>neo4j</a:t>
-            </a:r>
-            <a:r>
-              <a:rPr lang="zh-CN" altLang="en-US" dirty="0"/>
-              <a:t>的模块，进行查询，并返回查询结果。这里查询结果的呈现方式主要可以有列表或者图来展示，这里后面会讲述。</a:t>
-            </a:r>
-            <a:endParaRPr lang="en-US" altLang="zh-CN" dirty="0"/>
-          </a:p>
-          <a:p>
-            <a:r>
-              <a:rPr lang="zh-CN" altLang="en-US" dirty="0"/>
-              <a:t>③对于文件修改，用户可以先通过查询文件，获取到文件，进行修改之后，再保存回去即可。</a:t>
-            </a:r>
-            <a:endParaRPr lang="en-US" altLang="zh-CN" dirty="0"/>
-          </a:p>
-          <a:p>
-            <a:r>
-              <a:rPr lang="zh-CN" altLang="en-US" dirty="0"/>
-              <a:t>④对于删除文件，只需要先找到该文件，然后把文件结点删除即可。</a:t>
-            </a:r>
-            <a:endParaRPr lang="en-US" altLang="zh-CN" dirty="0"/>
-          </a:p>
           <a:p>
             <a:endParaRPr lang="zh-CN" altLang="en-US" dirty="0"/>
           </a:p>
@@ -10423,7 +10283,7 @@
         <p:spPr>
           <a:xfrm>
             <a:off x="941070" y="1334770"/>
-            <a:ext cx="9441815" cy="5016758"/>
+            <a:ext cx="9441815" cy="4339650"/>
           </a:xfrm>
           <a:prstGeom prst="rect">
             <a:avLst/>
@@ -10509,6 +10369,16 @@
               <a:buChar char="•"/>
             </a:pPr>
             <a:r>
+              <a:rPr lang="en-US" altLang="zh-CN" sz="2400" b="1" dirty="0">
+                <a:solidFill>
+                  <a:prstClr val="white"/>
+                </a:solidFill>
+                <a:latin typeface="Aldhabi" panose="01000000000000000000" pitchFamily="2" charset="-78"/>
+                <a:cs typeface="Aldhabi" panose="01000000000000000000" pitchFamily="2" charset="-78"/>
+              </a:rPr>
+              <a:t>flush</a:t>
+            </a:r>
+            <a:r>
               <a:rPr lang="en-US" altLang="zh-CN" sz="2400" dirty="0">
                 <a:solidFill>
                   <a:prstClr val="white"/>
@@ -10516,7 +10386,47 @@
                 <a:latin typeface="Aldhabi" panose="01000000000000000000" pitchFamily="2" charset="-78"/>
                 <a:cs typeface="Aldhabi" panose="01000000000000000000" pitchFamily="2" charset="-78"/>
               </a:rPr>
-              <a:t>flush, rename, unlink, access ,  </a:t>
+              <a:t>, </a:t>
+            </a:r>
+            <a:r>
+              <a:rPr lang="en-US" altLang="zh-CN" sz="2400" b="1" dirty="0">
+                <a:solidFill>
+                  <a:prstClr val="white"/>
+                </a:solidFill>
+                <a:latin typeface="Aldhabi" panose="01000000000000000000" pitchFamily="2" charset="-78"/>
+                <a:cs typeface="Aldhabi" panose="01000000000000000000" pitchFamily="2" charset="-78"/>
+              </a:rPr>
+              <a:t>rename</a:t>
+            </a:r>
+            <a:r>
+              <a:rPr lang="en-US" altLang="zh-CN" sz="2400" dirty="0">
+                <a:solidFill>
+                  <a:prstClr val="white"/>
+                </a:solidFill>
+                <a:latin typeface="Aldhabi" panose="01000000000000000000" pitchFamily="2" charset="-78"/>
+                <a:cs typeface="Aldhabi" panose="01000000000000000000" pitchFamily="2" charset="-78"/>
+              </a:rPr>
+              <a:t>, </a:t>
+            </a:r>
+            <a:r>
+              <a:rPr lang="en-US" altLang="zh-CN" sz="2400" b="1" dirty="0">
+                <a:solidFill>
+                  <a:prstClr val="white"/>
+                </a:solidFill>
+                <a:latin typeface="Aldhabi" panose="01000000000000000000" pitchFamily="2" charset="-78"/>
+                <a:cs typeface="Aldhabi" panose="01000000000000000000" pitchFamily="2" charset="-78"/>
+              </a:rPr>
+              <a:t>unlink</a:t>
+            </a:r>
+            <a:r>
+              <a:rPr lang="en-US" altLang="zh-CN" sz="2400" dirty="0">
+                <a:solidFill>
+                  <a:prstClr val="white"/>
+                </a:solidFill>
+                <a:latin typeface="Aldhabi" panose="01000000000000000000" pitchFamily="2" charset="-78"/>
+                <a:cs typeface="Aldhabi" panose="01000000000000000000" pitchFamily="2" charset="-78"/>
+              </a:rPr>
+              <a:t>, access ,  </a:t>
             </a:r>
             <a:r>
               <a:rPr lang="en-US" altLang="zh-CN" sz="2400" dirty="0" err="1">
@@ -10602,14 +10512,24 @@
               <a:buChar char="•"/>
             </a:pPr>
             <a:r>
-              <a:rPr lang="en-US" altLang="zh-CN" sz="2400" dirty="0" err="1">
+              <a:rPr lang="en-US" altLang="zh-CN" sz="2400" dirty="0" smtClean="0">
                 <a:solidFill>
                   <a:prstClr val="white"/>
                 </a:solidFill>
                 <a:latin typeface="Aldhabi" panose="01000000000000000000" pitchFamily="2" charset="-78"/>
                 <a:cs typeface="Aldhabi" panose="01000000000000000000" pitchFamily="2" charset="-78"/>
               </a:rPr>
-              <a:t>Mnt</a:t>
+              <a:t>Mount point(chosen by user)</a:t>
+            </a:r>
+            <a:r>
+              <a:rPr lang="en-US" altLang="zh-CN" sz="2400" dirty="0" smtClean="0">
+                <a:solidFill>
+                  <a:prstClr val="white"/>
+                </a:solidFill>
+                <a:latin typeface="Aldhabi" panose="01000000000000000000" pitchFamily="2" charset="-78"/>
+                <a:cs typeface="Aldhabi" panose="01000000000000000000" pitchFamily="2" charset="-78"/>
+              </a:rPr>
+              <a:t> </a:t>
             </a:r>
             <a:r>
               <a:rPr lang="en-US" altLang="zh-CN" sz="2400" dirty="0">
@@ -10619,7 +10539,7 @@
                 <a:latin typeface="Aldhabi" panose="01000000000000000000" pitchFamily="2" charset="-78"/>
                 <a:cs typeface="Aldhabi" panose="01000000000000000000" pitchFamily="2" charset="-78"/>
               </a:rPr>
-              <a:t> and </a:t>
+              <a:t>and </a:t>
             </a:r>
             <a:r>
               <a:rPr lang="en-US" altLang="zh-CN" sz="2400" dirty="0" err="1">
@@ -10688,88 +10608,15 @@
               <a:buChar char="•"/>
             </a:pPr>
             <a:r>
-              <a:rPr lang="en-US" altLang="zh-CN" sz="2400" dirty="0" err="1">
+              <a:rPr lang="en-US" altLang="zh-CN" sz="2400" dirty="0" err="1" smtClean="0">
                 <a:solidFill>
                   <a:prstClr val="white"/>
                 </a:solidFill>
                 <a:latin typeface="Aldhabi" panose="01000000000000000000" pitchFamily="2" charset="-78"/>
                 <a:cs typeface="Aldhabi" panose="01000000000000000000" pitchFamily="2" charset="-78"/>
               </a:rPr>
-              <a:t>filenode</a:t>
-            </a:r>
-            <a:endParaRPr lang="en-US" altLang="zh-CN" sz="2400" dirty="0">
-              <a:solidFill>
-                <a:prstClr val="white"/>
-              </a:solidFill>
-              <a:latin typeface="Aldhabi" panose="01000000000000000000" pitchFamily="2" charset="-78"/>
-              <a:cs typeface="Aldhabi" panose="01000000000000000000" pitchFamily="2" charset="-78"/>
-            </a:endParaRPr>
-          </a:p>
-          <a:p>
-            <a:pPr marL="800100" lvl="1" indent="-342900">
-              <a:buFont typeface="Arial" panose="020B0604020202020204" pitchFamily="34" charset="0"/>
-              <a:buChar char="•"/>
-            </a:pPr>
-            <a:endParaRPr kumimoji="0" lang="en-US" altLang="zh-CN" sz="2400" b="0" i="0" u="none" strike="noStrike" kern="1200" cap="none" spc="0" normalizeH="0" baseline="0" noProof="0" dirty="0">
-              <a:ln>
-                <a:noFill/>
-              </a:ln>
-              <a:solidFill>
-                <a:prstClr val="white"/>
-              </a:solidFill>
-              <a:effectLst/>
-              <a:uLnTx/>
-              <a:uFillTx/>
-              <a:latin typeface="Aldhabi" panose="01000000000000000000" pitchFamily="2" charset="-78"/>
-              <a:ea typeface="宋体" panose="02010600030101010101" pitchFamily="2" charset="-122"/>
-              <a:cs typeface="Aldhabi" panose="01000000000000000000" pitchFamily="2" charset="-78"/>
-            </a:endParaRPr>
-          </a:p>
-          <a:p>
-            <a:pPr marL="800100" lvl="1" indent="-342900">
-              <a:buFont typeface="Arial" panose="020B0604020202020204" pitchFamily="34" charset="0"/>
-              <a:buChar char="•"/>
-            </a:pPr>
-            <a:r>
-              <a:rPr lang="en-US" altLang="zh-CN" sz="2400" dirty="0">
-                <a:solidFill>
-                  <a:prstClr val="white"/>
-                </a:solidFill>
-                <a:latin typeface="Aldhabi" panose="01000000000000000000" pitchFamily="2" charset="-78"/>
-                <a:cs typeface="Aldhabi" panose="01000000000000000000" pitchFamily="2" charset="-78"/>
-              </a:rPr>
-              <a:t>d3.js</a:t>
-            </a:r>
-            <a:endParaRPr kumimoji="0" lang="en-US" altLang="zh-CN" sz="2400" b="0" i="0" u="none" strike="noStrike" kern="1200" cap="none" spc="0" normalizeH="0" baseline="0" noProof="0" dirty="0">
-              <a:ln>
-                <a:noFill/>
-              </a:ln>
-              <a:solidFill>
-                <a:prstClr val="white"/>
-              </a:solidFill>
-              <a:effectLst/>
-              <a:uLnTx/>
-              <a:uFillTx/>
-              <a:latin typeface="Aldhabi" panose="01000000000000000000" pitchFamily="2" charset="-78"/>
-              <a:ea typeface="宋体" panose="02010600030101010101" pitchFamily="2" charset="-122"/>
-              <a:cs typeface="Aldhabi" panose="01000000000000000000" pitchFamily="2" charset="-78"/>
-            </a:endParaRPr>
-          </a:p>
-          <a:p>
-            <a:pPr marR="0" lvl="0" algn="l" defTabSz="914400" rtl="0" eaLnBrk="1" fontAlgn="auto" latinLnBrk="0" hangingPunct="1">
-              <a:lnSpc>
-                <a:spcPct val="100000"/>
-              </a:lnSpc>
-              <a:spcBef>
-                <a:spcPts val="0"/>
-              </a:spcBef>
-              <a:spcAft>
-                <a:spcPts val="0"/>
-              </a:spcAft>
-              <a:buClrTx/>
-              <a:buSzTx/>
-              <a:defRPr/>
-            </a:pPr>
+              <a:t>Filenode</a:t>
+            </a:r>
             <a:endParaRPr kumimoji="0" lang="en-US" altLang="zh-CN" sz="2000" b="0" i="0" u="none" strike="noStrike" kern="1200" cap="none" spc="0" normalizeH="0" baseline="0" noProof="0" dirty="0">
               <a:ln>
                 <a:noFill/>
@@ -12127,6 +11974,23 @@
               <a:buFont typeface="Arial" panose="020B0604020202020204" pitchFamily="34" charset="0"/>
               <a:buChar char="•"/>
             </a:pPr>
+            <a:r>
+              <a:rPr kumimoji="0" lang="en-US" altLang="zh-CN" sz="2400" b="0" i="0" u="none" strike="noStrike" kern="1200" cap="none" spc="0" normalizeH="0" baseline="0" noProof="0" dirty="0" smtClean="0">
+                <a:ln>
+                  <a:noFill/>
+                </a:ln>
+                <a:solidFill>
+                  <a:prstClr val="white"/>
+                </a:solidFill>
+                <a:effectLst/>
+                <a:uLnTx/>
+                <a:uFillTx/>
+                <a:latin typeface="Aldhabi" panose="01000000000000000000" pitchFamily="2" charset="-78"/>
+                <a:ea typeface="宋体" panose="02010600030101010101" pitchFamily="2" charset="-122"/>
+                <a:cs typeface="Aldhabi" panose="01000000000000000000" pitchFamily="2" charset="-78"/>
+              </a:rPr>
+              <a:t>Django</a:t>
+            </a:r>
             <a:endParaRPr kumimoji="0" lang="en-US" altLang="zh-CN" sz="2400" b="0" i="0" u="none" strike="noStrike" kern="1200" cap="none" spc="0" normalizeH="0" baseline="0" noProof="0" dirty="0">
               <a:ln>
                 <a:noFill/>
@@ -13444,13 +13308,6 @@
               </a:rPr>
               <a:t>Analysis</a:t>
             </a:r>
-            <a:endParaRPr lang="en-US" altLang="zh-CN" sz="4000" dirty="0">
-              <a:solidFill>
-                <a:prstClr val="white"/>
-              </a:solidFill>
-              <a:latin typeface="微软雅黑" panose="020B0503020204020204" pitchFamily="34" charset="-122"/>
-              <a:ea typeface="微软雅黑" panose="020B0503020204020204" pitchFamily="34" charset="-122"/>
-            </a:endParaRPr>
           </a:p>
         </p:txBody>
       </p:sp>
@@ -27920,32 +27777,6 @@
           <a:chExt cx="0" cy="0"/>
         </a:xfrm>
       </p:grpSpPr>
-      <p:pic>
-        <p:nvPicPr>
-          <p:cNvPr id="4" name="内容占位符 3"/>
-          <p:cNvPicPr>
-            <a:picLocks noGrp="1" noChangeAspect="1"/>
-          </p:cNvPicPr>
-          <p:nvPr>
-            <p:ph idx="1"/>
-          </p:nvPr>
-        </p:nvPicPr>
-        <p:blipFill>
-          <a:blip r:embed="rId3"/>
-          <a:stretch>
-            <a:fillRect/>
-          </a:stretch>
-        </p:blipFill>
-        <p:spPr>
-          <a:xfrm>
-            <a:off x="808693" y="1463825"/>
-            <a:ext cx="10515600" cy="4241218"/>
-          </a:xfrm>
-          <a:prstGeom prst="rect">
-            <a:avLst/>
-          </a:prstGeom>
-        </p:spPr>
-      </p:pic>
       <p:sp>
         <p:nvSpPr>
           <p:cNvPr id="5" name="文本框 4"/>
@@ -28022,6 +27853,35 @@
           </a:p>
         </p:txBody>
       </p:sp>
+      <p:pic>
+        <p:nvPicPr>
+          <p:cNvPr id="3" name="内容占位符 2"/>
+          <p:cNvPicPr>
+            <a:picLocks noGrp="1" noChangeAspect="1"/>
+          </p:cNvPicPr>
+          <p:nvPr>
+            <p:ph idx="1"/>
+          </p:nvPr>
+        </p:nvPicPr>
+        <p:blipFill>
+          <a:blip r:embed="rId3">
+            <a:extLst>
+              <a:ext uri="{28A0092B-C50C-407E-A947-70E740481C1C}">
+                <a14:useLocalDpi xmlns:a14="http://schemas.microsoft.com/office/drawing/2010/main" val="0"/>
+              </a:ext>
+            </a:extLst>
+          </a:blip>
+          <a:stretch>
+            <a:fillRect/>
+          </a:stretch>
+        </p:blipFill>
+        <p:spPr>
+          <a:xfrm>
+            <a:off x="398694" y="1271566"/>
+            <a:ext cx="11335598" cy="5147135"/>
+          </a:xfrm>
+        </p:spPr>
+      </p:pic>
     </p:spTree>
   </p:cSld>
   <p:clrMapOvr>
